--- a/Uke 41/Funksjoner.pptx
+++ b/Uke 41/Funksjoner.pptx
@@ -112,6 +112,11 @@
       </a:defRPr>
     </a:lvl9pPr>
   </p:defaultTextStyle>
+  <p:extLst>
+    <p:ext uri="{EFAFB233-063F-42B5-8137-9DF3F51BA10A}">
+      <p15:sldGuideLst xmlns:p15="http://schemas.microsoft.com/office/powerpoint/2012/main"/>
+    </p:ext>
+  </p:extLst>
 </p:presentation>
 </file>
 
@@ -128,7 +133,7 @@
   <pc:docChgLst>
     <pc:chgData name="Aizan Magomadova" userId="b3d38ecc-02a7-4810-ad44-0e9f513517c5" providerId="ADAL" clId="{047186C3-FA57-46DA-9713-6E224BEB1C90}"/>
     <pc:docChg chg="undo custSel modSld">
-      <pc:chgData name="Aizan Magomadova" userId="b3d38ecc-02a7-4810-ad44-0e9f513517c5" providerId="ADAL" clId="{047186C3-FA57-46DA-9713-6E224BEB1C90}" dt="2019-10-09T12:02:53.203" v="217" actId="1076"/>
+      <pc:chgData name="Aizan Magomadova" userId="b3d38ecc-02a7-4810-ad44-0e9f513517c5" providerId="ADAL" clId="{047186C3-FA57-46DA-9713-6E224BEB1C90}" dt="2019-10-10T06:11:52.877" v="220" actId="14100"/>
       <pc:docMkLst>
         <pc:docMk/>
       </pc:docMkLst>
@@ -180,13 +185,13 @@
         </pc:spChg>
       </pc:sldChg>
       <pc:sldChg chg="addSp modSp mod setBg modAnim">
-        <pc:chgData name="Aizan Magomadova" userId="b3d38ecc-02a7-4810-ad44-0e9f513517c5" providerId="ADAL" clId="{047186C3-FA57-46DA-9713-6E224BEB1C90}" dt="2019-10-09T11:52:51.461" v="167" actId="5793"/>
+        <pc:chgData name="Aizan Magomadova" userId="b3d38ecc-02a7-4810-ad44-0e9f513517c5" providerId="ADAL" clId="{047186C3-FA57-46DA-9713-6E224BEB1C90}" dt="2019-10-10T06:11:36.795" v="218" actId="14100"/>
         <pc:sldMkLst>
           <pc:docMk/>
           <pc:sldMk cId="931055454" sldId="257"/>
         </pc:sldMkLst>
         <pc:spChg chg="mod">
-          <ac:chgData name="Aizan Magomadova" userId="b3d38ecc-02a7-4810-ad44-0e9f513517c5" providerId="ADAL" clId="{047186C3-FA57-46DA-9713-6E224BEB1C90}" dt="2019-10-09T11:29:30.673" v="16" actId="26606"/>
+          <ac:chgData name="Aizan Magomadova" userId="b3d38ecc-02a7-4810-ad44-0e9f513517c5" providerId="ADAL" clId="{047186C3-FA57-46DA-9713-6E224BEB1C90}" dt="2019-10-10T06:11:36.795" v="218" actId="14100"/>
           <ac:spMkLst>
             <pc:docMk/>
             <pc:sldMk cId="931055454" sldId="257"/>
@@ -219,13 +224,13 @@
         </pc:picChg>
       </pc:sldChg>
       <pc:sldChg chg="addSp delSp modSp mod setBg modAnim">
-        <pc:chgData name="Aizan Magomadova" userId="b3d38ecc-02a7-4810-ad44-0e9f513517c5" providerId="ADAL" clId="{047186C3-FA57-46DA-9713-6E224BEB1C90}" dt="2019-10-09T11:52:38.110" v="165" actId="5793"/>
+        <pc:chgData name="Aizan Magomadova" userId="b3d38ecc-02a7-4810-ad44-0e9f513517c5" providerId="ADAL" clId="{047186C3-FA57-46DA-9713-6E224BEB1C90}" dt="2019-10-10T06:11:43.784" v="219" actId="14100"/>
         <pc:sldMkLst>
           <pc:docMk/>
           <pc:sldMk cId="1837733842" sldId="258"/>
         </pc:sldMkLst>
         <pc:spChg chg="mod">
-          <ac:chgData name="Aizan Magomadova" userId="b3d38ecc-02a7-4810-ad44-0e9f513517c5" providerId="ADAL" clId="{047186C3-FA57-46DA-9713-6E224BEB1C90}" dt="2019-10-09T11:32:50.488" v="49" actId="26606"/>
+          <ac:chgData name="Aizan Magomadova" userId="b3d38ecc-02a7-4810-ad44-0e9f513517c5" providerId="ADAL" clId="{047186C3-FA57-46DA-9713-6E224BEB1C90}" dt="2019-10-10T06:11:43.784" v="219" actId="14100"/>
           <ac:spMkLst>
             <pc:docMk/>
             <pc:sldMk cId="1837733842" sldId="258"/>
@@ -281,11 +286,19 @@
         </pc:picChg>
       </pc:sldChg>
       <pc:sldChg chg="addSp modSp modAnim">
-        <pc:chgData name="Aizan Magomadova" userId="b3d38ecc-02a7-4810-ad44-0e9f513517c5" providerId="ADAL" clId="{047186C3-FA57-46DA-9713-6E224BEB1C90}" dt="2019-10-09T11:53:11.701" v="169"/>
+        <pc:chgData name="Aizan Magomadova" userId="b3d38ecc-02a7-4810-ad44-0e9f513517c5" providerId="ADAL" clId="{047186C3-FA57-46DA-9713-6E224BEB1C90}" dt="2019-10-10T06:11:52.877" v="220" actId="14100"/>
         <pc:sldMkLst>
           <pc:docMk/>
           <pc:sldMk cId="4066219489" sldId="260"/>
         </pc:sldMkLst>
+        <pc:spChg chg="mod">
+          <ac:chgData name="Aizan Magomadova" userId="b3d38ecc-02a7-4810-ad44-0e9f513517c5" providerId="ADAL" clId="{047186C3-FA57-46DA-9713-6E224BEB1C90}" dt="2019-10-10T06:11:52.877" v="220" actId="14100"/>
+          <ac:spMkLst>
+            <pc:docMk/>
+            <pc:sldMk cId="4066219489" sldId="260"/>
+            <ac:spMk id="2" creationId="{F484C484-101A-46AF-9C66-29BC6A5A8432}"/>
+          </ac:spMkLst>
+        </pc:spChg>
         <pc:spChg chg="mod">
           <ac:chgData name="Aizan Magomadova" userId="b3d38ecc-02a7-4810-ad44-0e9f513517c5" providerId="ADAL" clId="{047186C3-FA57-46DA-9713-6E224BEB1C90}" dt="2019-10-09T11:33:54.797" v="57" actId="27636"/>
           <ac:spMkLst>
@@ -532,7 +545,7 @@
           <a:p>
             <a:fld id="{BE521111-CDDC-4913-A5F5-860724EBEB55}" type="datetimeFigureOut">
               <a:rPr lang="nb-NO" smtClean="0"/>
-              <a:t>09.10.2019</a:t>
+              <a:t>10.10.2019</a:t>
             </a:fld>
             <a:endParaRPr lang="nb-NO"/>
           </a:p>
@@ -730,7 +743,7 @@
           <a:p>
             <a:fld id="{BE521111-CDDC-4913-A5F5-860724EBEB55}" type="datetimeFigureOut">
               <a:rPr lang="nb-NO" smtClean="0"/>
-              <a:t>09.10.2019</a:t>
+              <a:t>10.10.2019</a:t>
             </a:fld>
             <a:endParaRPr lang="nb-NO"/>
           </a:p>
@@ -938,7 +951,7 @@
           <a:p>
             <a:fld id="{BE521111-CDDC-4913-A5F5-860724EBEB55}" type="datetimeFigureOut">
               <a:rPr lang="nb-NO" smtClean="0"/>
-              <a:t>09.10.2019</a:t>
+              <a:t>10.10.2019</a:t>
             </a:fld>
             <a:endParaRPr lang="nb-NO"/>
           </a:p>
@@ -1136,7 +1149,7 @@
           <a:p>
             <a:fld id="{BE521111-CDDC-4913-A5F5-860724EBEB55}" type="datetimeFigureOut">
               <a:rPr lang="nb-NO" smtClean="0"/>
-              <a:t>09.10.2019</a:t>
+              <a:t>10.10.2019</a:t>
             </a:fld>
             <a:endParaRPr lang="nb-NO"/>
           </a:p>
@@ -1411,7 +1424,7 @@
           <a:p>
             <a:fld id="{BE521111-CDDC-4913-A5F5-860724EBEB55}" type="datetimeFigureOut">
               <a:rPr lang="nb-NO" smtClean="0"/>
-              <a:t>09.10.2019</a:t>
+              <a:t>10.10.2019</a:t>
             </a:fld>
             <a:endParaRPr lang="nb-NO"/>
           </a:p>
@@ -1676,7 +1689,7 @@
           <a:p>
             <a:fld id="{BE521111-CDDC-4913-A5F5-860724EBEB55}" type="datetimeFigureOut">
               <a:rPr lang="nb-NO" smtClean="0"/>
-              <a:t>09.10.2019</a:t>
+              <a:t>10.10.2019</a:t>
             </a:fld>
             <a:endParaRPr lang="nb-NO"/>
           </a:p>
@@ -2088,7 +2101,7 @@
           <a:p>
             <a:fld id="{BE521111-CDDC-4913-A5F5-860724EBEB55}" type="datetimeFigureOut">
               <a:rPr lang="nb-NO" smtClean="0"/>
-              <a:t>09.10.2019</a:t>
+              <a:t>10.10.2019</a:t>
             </a:fld>
             <a:endParaRPr lang="nb-NO"/>
           </a:p>
@@ -2229,7 +2242,7 @@
           <a:p>
             <a:fld id="{BE521111-CDDC-4913-A5F5-860724EBEB55}" type="datetimeFigureOut">
               <a:rPr lang="nb-NO" smtClean="0"/>
-              <a:t>09.10.2019</a:t>
+              <a:t>10.10.2019</a:t>
             </a:fld>
             <a:endParaRPr lang="nb-NO"/>
           </a:p>
@@ -2342,7 +2355,7 @@
           <a:p>
             <a:fld id="{BE521111-CDDC-4913-A5F5-860724EBEB55}" type="datetimeFigureOut">
               <a:rPr lang="nb-NO" smtClean="0"/>
-              <a:t>09.10.2019</a:t>
+              <a:t>10.10.2019</a:t>
             </a:fld>
             <a:endParaRPr lang="nb-NO"/>
           </a:p>
@@ -2653,7 +2666,7 @@
           <a:p>
             <a:fld id="{BE521111-CDDC-4913-A5F5-860724EBEB55}" type="datetimeFigureOut">
               <a:rPr lang="nb-NO" smtClean="0"/>
-              <a:t>09.10.2019</a:t>
+              <a:t>10.10.2019</a:t>
             </a:fld>
             <a:endParaRPr lang="nb-NO"/>
           </a:p>
@@ -2941,7 +2954,7 @@
           <a:p>
             <a:fld id="{BE521111-CDDC-4913-A5F5-860724EBEB55}" type="datetimeFigureOut">
               <a:rPr lang="nb-NO" smtClean="0"/>
-              <a:t>09.10.2019</a:t>
+              <a:t>10.10.2019</a:t>
             </a:fld>
             <a:endParaRPr lang="nb-NO"/>
           </a:p>
@@ -3182,7 +3195,7 @@
           <a:p>
             <a:fld id="{BE521111-CDDC-4913-A5F5-860724EBEB55}" type="datetimeFigureOut">
               <a:rPr lang="nb-NO" smtClean="0"/>
-              <a:t>09.10.2019</a:t>
+              <a:t>10.10.2019</a:t>
             </a:fld>
             <a:endParaRPr lang="nb-NO"/>
           </a:p>
@@ -3729,7 +3742,12 @@
             <p:ph type="title"/>
           </p:nvPr>
         </p:nvSpPr>
-        <p:spPr/>
+        <p:spPr>
+          <a:xfrm>
+            <a:off x="839788" y="457200"/>
+            <a:ext cx="3932237" cy="738554"/>
+          </a:xfrm>
+        </p:spPr>
         <p:txBody>
           <a:bodyPr/>
           <a:lstStyle/>
@@ -4366,7 +4384,7 @@
         <p:spPr>
           <a:xfrm>
             <a:off x="839788" y="457200"/>
-            <a:ext cx="3932237" cy="1600200"/>
+            <a:ext cx="3932237" cy="1033975"/>
           </a:xfrm>
         </p:spPr>
         <p:txBody>
@@ -4374,18 +4392,17 @@
           <a:lstStyle/>
           <a:p>
             <a:r>
-              <a:rPr lang="nb-NO"/>
+              <a:rPr lang="nb-NO" dirty="0"/>
               <a:t>Funksjoner </a:t>
             </a:r>
             <a:r>
-              <a:rPr lang="nb-NO" b="1"/>
+              <a:rPr lang="nb-NO" b="1" dirty="0"/>
               <a:t>m</a:t>
             </a:r>
             <a:r>
-              <a:rPr lang="nb-NO"/>
+              <a:rPr lang="nb-NO" dirty="0"/>
               <a:t>ed en parameter</a:t>
             </a:r>
-            <a:endParaRPr lang="nb-NO" dirty="0"/>
           </a:p>
         </p:txBody>
       </p:sp>
@@ -5251,7 +5268,12 @@
             <p:ph type="title"/>
           </p:nvPr>
         </p:nvSpPr>
-        <p:spPr/>
+        <p:spPr>
+          <a:xfrm>
+            <a:off x="839788" y="457200"/>
+            <a:ext cx="3932237" cy="1090246"/>
+          </a:xfrm>
+        </p:spPr>
         <p:txBody>
           <a:bodyPr/>
           <a:lstStyle/>
@@ -7015,6 +7037,21 @@
 </file>
 
 <file path=customXml/item1.xml><?xml version="1.0" encoding="utf-8"?>
+<p:properties xmlns:p="http://schemas.microsoft.com/office/2006/metadata/properties" xmlns:xsi="http://www.w3.org/2001/XMLSchema-instance" xmlns:pc="http://schemas.microsoft.com/office/infopath/2007/PartnerControls">
+  <documentManagement/>
+</p:properties>
+</file>
+
+<file path=customXml/item2.xml><?xml version="1.0" encoding="utf-8"?>
+<?mso-contentType ?>
+<FormTemplates xmlns="http://schemas.microsoft.com/sharepoint/v3/contenttype/forms">
+  <Display>DocumentLibraryForm</Display>
+  <Edit>DocumentLibraryForm</Edit>
+  <New>DocumentLibraryForm</New>
+</FormTemplates>
+</file>
+
+<file path=customXml/item3.xml><?xml version="1.0" encoding="utf-8"?>
 <ct:contentTypeSchema xmlns:ct="http://schemas.microsoft.com/office/2006/metadata/contentType" xmlns:ma="http://schemas.microsoft.com/office/2006/metadata/properties/metaAttributes" ct:_="" ma:_="" ma:contentTypeName="Dokument" ma:contentTypeID="0x01010045865D2A2404A340A9116C967D5A8A18" ma:contentTypeVersion="8" ma:contentTypeDescription="Opprett et nytt dokument." ma:contentTypeScope="" ma:versionID="c1170821e5ddd0badc770b112e96b910">
   <xsd:schema xmlns:xsd="http://www.w3.org/2001/XMLSchema" xmlns:xs="http://www.w3.org/2001/XMLSchema" xmlns:p="http://schemas.microsoft.com/office/2006/metadata/properties" xmlns:ns3="7ee59893-5bfb-4ba5-ba61-3f9ac5a63a3a" targetNamespace="http://schemas.microsoft.com/office/2006/metadata/properties" ma:root="true" ma:fieldsID="105b5d8b40729520ebc3a32ed622274c" ns3:_="">
     <xsd:import namespace="7ee59893-5bfb-4ba5-ba61-3f9ac5a63a3a"/>
@@ -7184,22 +7221,31 @@
 </ct:contentTypeSchema>
 </file>
 
-<file path=customXml/item2.xml><?xml version="1.0" encoding="utf-8"?>
-<?mso-contentType ?>
-<FormTemplates xmlns="http://schemas.microsoft.com/sharepoint/v3/contenttype/forms">
-  <Display>DocumentLibraryForm</Display>
-  <Edit>DocumentLibraryForm</Edit>
-  <New>DocumentLibraryForm</New>
-</FormTemplates>
+<file path=customXml/itemProps1.xml><?xml version="1.0" encoding="utf-8"?>
+<ds:datastoreItem xmlns:ds="http://schemas.openxmlformats.org/officeDocument/2006/customXml" ds:itemID="{73227D78-2E0D-4134-ACFA-4E7474FCECF5}">
+  <ds:schemaRefs>
+    <ds:schemaRef ds:uri="http://schemas.microsoft.com/office/2006/documentManagement/types"/>
+    <ds:schemaRef ds:uri="http://schemas.microsoft.com/office/infopath/2007/PartnerControls"/>
+    <ds:schemaRef ds:uri="http://purl.org/dc/elements/1.1/"/>
+    <ds:schemaRef ds:uri="http://schemas.microsoft.com/office/2006/metadata/properties"/>
+    <ds:schemaRef ds:uri="7ee59893-5bfb-4ba5-ba61-3f9ac5a63a3a"/>
+    <ds:schemaRef ds:uri="http://purl.org/dc/terms/"/>
+    <ds:schemaRef ds:uri="http://schemas.openxmlformats.org/package/2006/metadata/core-properties"/>
+    <ds:schemaRef ds:uri="http://www.w3.org/XML/1998/namespace"/>
+    <ds:schemaRef ds:uri="http://purl.org/dc/dcmitype/"/>
+  </ds:schemaRefs>
+</ds:datastoreItem>
 </file>
 
-<file path=customXml/item3.xml><?xml version="1.0" encoding="utf-8"?>
-<p:properties xmlns:p="http://schemas.microsoft.com/office/2006/metadata/properties" xmlns:xsi="http://www.w3.org/2001/XMLSchema-instance" xmlns:pc="http://schemas.microsoft.com/office/infopath/2007/PartnerControls">
-  <documentManagement/>
-</p:properties>
+<file path=customXml/itemProps2.xml><?xml version="1.0" encoding="utf-8"?>
+<ds:datastoreItem xmlns:ds="http://schemas.openxmlformats.org/officeDocument/2006/customXml" ds:itemID="{A02D8083-1318-440C-B99F-9F564A7D2C07}">
+  <ds:schemaRefs>
+    <ds:schemaRef ds:uri="http://schemas.microsoft.com/sharepoint/v3/contenttype/forms"/>
+  </ds:schemaRefs>
+</ds:datastoreItem>
 </file>
 
-<file path=customXml/itemProps1.xml><?xml version="1.0" encoding="utf-8"?>
+<file path=customXml/itemProps3.xml><?xml version="1.0" encoding="utf-8"?>
 <ds:datastoreItem xmlns:ds="http://schemas.openxmlformats.org/officeDocument/2006/customXml" ds:itemID="{6EA2C802-51C0-4C23-AC6F-618F5F264FDB}">
   <ds:schemaRefs>
     <ds:schemaRef ds:uri="http://schemas.microsoft.com/office/2006/metadata/contentType"/>
@@ -7215,28 +7261,4 @@
     <ds:schemaRef ds:uri="http://schemas.microsoft.com/internal/obd"/>
   </ds:schemaRefs>
 </ds:datastoreItem>
-</file>
-
-<file path=customXml/itemProps2.xml><?xml version="1.0" encoding="utf-8"?>
-<ds:datastoreItem xmlns:ds="http://schemas.openxmlformats.org/officeDocument/2006/customXml" ds:itemID="{A02D8083-1318-440C-B99F-9F564A7D2C07}">
-  <ds:schemaRefs>
-    <ds:schemaRef ds:uri="http://schemas.microsoft.com/sharepoint/v3/contenttype/forms"/>
-  </ds:schemaRefs>
-</ds:datastoreItem>
-</file>
-
-<file path=customXml/itemProps3.xml><?xml version="1.0" encoding="utf-8"?>
-<ds:datastoreItem xmlns:ds="http://schemas.openxmlformats.org/officeDocument/2006/customXml" ds:itemID="{73227D78-2E0D-4134-ACFA-4E7474FCECF5}">
-  <ds:schemaRefs>
-    <ds:schemaRef ds:uri="7ee59893-5bfb-4ba5-ba61-3f9ac5a63a3a"/>
-    <ds:schemaRef ds:uri="http://purl.org/dc/terms/"/>
-    <ds:schemaRef ds:uri="http://schemas.openxmlformats.org/package/2006/metadata/core-properties"/>
-    <ds:schemaRef ds:uri="http://schemas.microsoft.com/office/2006/documentManagement/types"/>
-    <ds:schemaRef ds:uri="http://schemas.microsoft.com/office/infopath/2007/PartnerControls"/>
-    <ds:schemaRef ds:uri="http://purl.org/dc/elements/1.1/"/>
-    <ds:schemaRef ds:uri="http://schemas.microsoft.com/office/2006/metadata/properties"/>
-    <ds:schemaRef ds:uri="http://www.w3.org/XML/1998/namespace"/>
-    <ds:schemaRef ds:uri="http://purl.org/dc/dcmitype/"/>
-  </ds:schemaRefs>
-</ds:datastoreItem>
 </file>